--- a/20210211_MidPresentation_vF.pptx
+++ b/20210211_MidPresentation_vF.pptx
@@ -5,10 +5,10 @@
     <p:sldMasterId id="2147483722" r:id="rId1"/>
   </p:sldMasterIdLst>
   <p:notesMasterIdLst>
-    <p:notesMasterId r:id="rId13"/>
+    <p:notesMasterId r:id="rId14"/>
   </p:notesMasterIdLst>
   <p:handoutMasterIdLst>
-    <p:handoutMasterId r:id="rId14"/>
+    <p:handoutMasterId r:id="rId15"/>
   </p:handoutMasterIdLst>
   <p:sldIdLst>
     <p:sldId id="256" r:id="rId2"/>
@@ -22,11 +22,12 @@
     <p:sldId id="298" r:id="rId10"/>
     <p:sldId id="294" r:id="rId11"/>
     <p:sldId id="296" r:id="rId12"/>
+    <p:sldId id="299" r:id="rId13"/>
   </p:sldIdLst>
   <p:sldSz cx="9906000" cy="6858000" type="A4"/>
   <p:notesSz cx="6797675" cy="9926638"/>
   <p:custDataLst>
-    <p:tags r:id="rId15"/>
+    <p:tags r:id="rId16"/>
   </p:custDataLst>
   <p:defaultTextStyle>
     <a:defPPr>
@@ -789,6 +790,91 @@
     <p:extLst>
       <p:ext uri="{BB962C8B-B14F-4D97-AF65-F5344CB8AC3E}">
         <p14:creationId xmlns:p14="http://schemas.microsoft.com/office/powerpoint/2010/main" val="2779546433"/>
+      </p:ext>
+    </p:extLst>
+  </p:cSld>
+  <p:clrMapOvr>
+    <a:masterClrMapping/>
+  </p:clrMapOvr>
+</p:notes>
+</file>
+
+<file path=ppt/notesSlides/notesSlide11.xml><?xml version="1.0" encoding="utf-8"?>
+<p:notes xmlns:a="http://schemas.openxmlformats.org/drawingml/2006/main" xmlns:r="http://schemas.openxmlformats.org/officeDocument/2006/relationships" xmlns:p="http://schemas.openxmlformats.org/presentationml/2006/main">
+  <p:cSld>
+    <p:spTree>
+      <p:nvGrpSpPr>
+        <p:cNvPr id="1" name=""/>
+        <p:cNvGrpSpPr/>
+        <p:nvPr/>
+      </p:nvGrpSpPr>
+      <p:grpSpPr>
+        <a:xfrm>
+          <a:off x="0" y="0"/>
+          <a:ext cx="0" cy="0"/>
+          <a:chOff x="0" y="0"/>
+          <a:chExt cx="0" cy="0"/>
+        </a:xfrm>
+      </p:grpSpPr>
+      <p:sp>
+        <p:nvSpPr>
+          <p:cNvPr id="2" name="Slide Image Placeholder 1"/>
+          <p:cNvSpPr>
+            <a:spLocks noGrp="1" noRot="1" noChangeAspect="1"/>
+          </p:cNvSpPr>
+          <p:nvPr>
+            <p:ph type="sldImg"/>
+          </p:nvPr>
+        </p:nvSpPr>
+        <p:spPr/>
+      </p:sp>
+      <p:sp>
+        <p:nvSpPr>
+          <p:cNvPr id="3" name="Notes Placeholder 2"/>
+          <p:cNvSpPr>
+            <a:spLocks noGrp="1"/>
+          </p:cNvSpPr>
+          <p:nvPr>
+            <p:ph type="body" idx="1"/>
+          </p:nvPr>
+        </p:nvSpPr>
+        <p:spPr/>
+        <p:txBody>
+          <a:bodyPr/>
+          <a:lstStyle/>
+          <a:p>
+            <a:endParaRPr lang="en-GB" dirty="0"/>
+          </a:p>
+        </p:txBody>
+      </p:sp>
+      <p:sp>
+        <p:nvSpPr>
+          <p:cNvPr id="4" name="Slide Number Placeholder 3"/>
+          <p:cNvSpPr>
+            <a:spLocks noGrp="1"/>
+          </p:cNvSpPr>
+          <p:nvPr>
+            <p:ph type="sldNum" sz="quarter" idx="10"/>
+          </p:nvPr>
+        </p:nvSpPr>
+        <p:spPr/>
+        <p:txBody>
+          <a:bodyPr/>
+          <a:lstStyle/>
+          <a:p>
+            <a:fld id="{13175A74-DA2A-4783-92EA-8CA253F242F1}" type="slidenum">
+              <a:rPr lang="en-GB" smtClean="0"/>
+              <a:pPr/>
+              <a:t>11</a:t>
+            </a:fld>
+            <a:endParaRPr lang="en-GB" dirty="0"/>
+          </a:p>
+        </p:txBody>
+      </p:sp>
+    </p:spTree>
+    <p:extLst>
+      <p:ext uri="{BB962C8B-B14F-4D97-AF65-F5344CB8AC3E}">
+        <p14:creationId xmlns:p14="http://schemas.microsoft.com/office/powerpoint/2010/main" val="3643195478"/>
       </p:ext>
     </p:extLst>
   </p:cSld>
@@ -6458,6 +6544,172 @@
 </p:sld>
 </file>
 
+<file path=ppt/slides/slide12.xml><?xml version="1.0" encoding="utf-8"?>
+<p:sld xmlns:a="http://schemas.openxmlformats.org/drawingml/2006/main" xmlns:r="http://schemas.openxmlformats.org/officeDocument/2006/relationships" xmlns:p="http://schemas.openxmlformats.org/presentationml/2006/main">
+  <p:cSld>
+    <p:spTree>
+      <p:nvGrpSpPr>
+        <p:cNvPr id="1" name=""/>
+        <p:cNvGrpSpPr/>
+        <p:nvPr/>
+      </p:nvGrpSpPr>
+      <p:grpSpPr>
+        <a:xfrm>
+          <a:off x="0" y="0"/>
+          <a:ext cx="0" cy="0"/>
+          <a:chOff x="0" y="0"/>
+          <a:chExt cx="0" cy="0"/>
+        </a:xfrm>
+      </p:grpSpPr>
+      <p:graphicFrame>
+        <p:nvGraphicFramePr>
+          <p:cNvPr id="4" name="Object 3" hidden="1">
+            <a:extLst>
+              <a:ext uri="{FF2B5EF4-FFF2-40B4-BE49-F238E27FC236}">
+                <a16:creationId xmlns:a16="http://schemas.microsoft.com/office/drawing/2014/main" id="{3DE4CB6A-3643-4FC3-8F48-957D0916559B}"/>
+              </a:ext>
+            </a:extLst>
+          </p:cNvPr>
+          <p:cNvGraphicFramePr>
+            <a:graphicFrameLocks noChangeAspect="1"/>
+          </p:cNvGraphicFramePr>
+          <p:nvPr>
+            <p:custDataLst>
+              <p:tags r:id="rId1"/>
+            </p:custDataLst>
+            <p:extLst>
+              <p:ext uri="{D42A27DB-BD31-4B8C-83A1-F6EECF244321}">
+                <p14:modId xmlns:p14="http://schemas.microsoft.com/office/powerpoint/2010/main" val="3260350531"/>
+              </p:ext>
+            </p:extLst>
+          </p:nvPr>
+        </p:nvGraphicFramePr>
+        <p:xfrm>
+          <a:off x="1588" y="1588"/>
+          <a:ext cx="1588" cy="1588"/>
+        </p:xfrm>
+        <a:graphic>
+          <a:graphicData uri="http://schemas.openxmlformats.org/presentationml/2006/ole">
+            <mc:AlternateContent xmlns:mc="http://schemas.openxmlformats.org/markup-compatibility/2006">
+              <mc:Choice xmlns:v="urn:schemas-microsoft-com:vml" Requires="v">
+                <p:oleObj name="think-cell Slide" r:id="rId4" imgW="306" imgH="306" progId="TCLayout.ActiveDocument.1">
+                  <p:embed/>
+                </p:oleObj>
+              </mc:Choice>
+              <mc:Fallback>
+                <p:oleObj name="think-cell Slide" r:id="rId4" imgW="306" imgH="306" progId="TCLayout.ActiveDocument.1">
+                  <p:embed/>
+                  <p:pic>
+                    <p:nvPicPr>
+                      <p:cNvPr id="4" name="Object 3" hidden="1">
+                        <a:extLst>
+                          <a:ext uri="{FF2B5EF4-FFF2-40B4-BE49-F238E27FC236}">
+                            <a16:creationId xmlns:a16="http://schemas.microsoft.com/office/drawing/2014/main" id="{3DE4CB6A-3643-4FC3-8F48-957D0916559B}"/>
+                          </a:ext>
+                        </a:extLst>
+                      </p:cNvPr>
+                      <p:cNvPicPr/>
+                      <p:nvPr/>
+                    </p:nvPicPr>
+                    <p:blipFill>
+                      <a:blip r:embed="rId5"/>
+                      <a:stretch>
+                        <a:fillRect/>
+                      </a:stretch>
+                    </p:blipFill>
+                    <p:spPr>
+                      <a:xfrm>
+                        <a:off x="1588" y="1588"/>
+                        <a:ext cx="1588" cy="1588"/>
+                      </a:xfrm>
+                      <a:prstGeom prst="rect">
+                        <a:avLst/>
+                      </a:prstGeom>
+                    </p:spPr>
+                  </p:pic>
+                </p:oleObj>
+              </mc:Fallback>
+            </mc:AlternateContent>
+          </a:graphicData>
+        </a:graphic>
+      </p:graphicFrame>
+      <p:sp>
+        <p:nvSpPr>
+          <p:cNvPr id="8" name="Rectangle 7">
+            <a:extLst>
+              <a:ext uri="{FF2B5EF4-FFF2-40B4-BE49-F238E27FC236}">
+                <a16:creationId xmlns:a16="http://schemas.microsoft.com/office/drawing/2014/main" id="{86AD9B0A-AD89-44D3-8D29-3B077FA3AE31}"/>
+              </a:ext>
+            </a:extLst>
+          </p:cNvPr>
+          <p:cNvSpPr/>
+          <p:nvPr/>
+        </p:nvSpPr>
+        <p:spPr>
+          <a:xfrm>
+            <a:off x="0" y="3171794"/>
+            <a:ext cx="9903594" cy="504000"/>
+          </a:xfrm>
+          <a:prstGeom prst="rect">
+            <a:avLst/>
+          </a:prstGeom>
+          <a:solidFill>
+            <a:srgbClr val="252266"/>
+          </a:solidFill>
+          <a:ln w="3175">
+            <a:solidFill>
+              <a:srgbClr val="252266"/>
+            </a:solidFill>
+          </a:ln>
+        </p:spPr>
+        <p:style>
+          <a:lnRef idx="2">
+            <a:schemeClr val="accent1">
+              <a:shade val="50000"/>
+            </a:schemeClr>
+          </a:lnRef>
+          <a:fillRef idx="1">
+            <a:schemeClr val="accent1"/>
+          </a:fillRef>
+          <a:effectRef idx="0">
+            <a:schemeClr val="accent1"/>
+          </a:effectRef>
+          <a:fontRef idx="minor">
+            <a:schemeClr val="lt1"/>
+          </a:fontRef>
+        </p:style>
+        <p:txBody>
+          <a:bodyPr vert="horz" wrap="square" lIns="360000" tIns="36000" rIns="360000" bIns="36000" rtlCol="0" anchor="ctr"/>
+          <a:lstStyle/>
+          <a:p>
+            <a:r>
+              <a:rPr lang="en-GB" sz="1600" b="1" dirty="0">
+                <a:solidFill>
+                  <a:srgbClr val="FFFFFF"/>
+                </a:solidFill>
+                <a:latin typeface="Arial" panose="020B0604020202020204" pitchFamily="34" charset="0"/>
+              </a:rPr>
+              <a:t>Thank you very much!</a:t>
+            </a:r>
+          </a:p>
+        </p:txBody>
+      </p:sp>
+    </p:spTree>
+    <p:extLst>
+      <p:ext uri="{BB962C8B-B14F-4D97-AF65-F5344CB8AC3E}">
+        <p14:creationId xmlns:p14="http://schemas.microsoft.com/office/powerpoint/2010/main" val="3551130499"/>
+      </p:ext>
+    </p:extLst>
+  </p:cSld>
+  <p:clrMapOvr>
+    <a:masterClrMapping/>
+  </p:clrMapOvr>
+  <p:transition>
+    <p:fade/>
+  </p:transition>
+</p:sld>
+</file>
+
 <file path=ppt/slides/slide2.xml><?xml version="1.0" encoding="utf-8"?>
 <p:sld xmlns:a="http://schemas.openxmlformats.org/drawingml/2006/main" xmlns:r="http://schemas.openxmlformats.org/officeDocument/2006/relationships" xmlns:p="http://schemas.openxmlformats.org/presentationml/2006/main">
   <p:cSld>
@@ -17535,6 +17787,12 @@
 </file>
 
 <file path=ppt/tags/tag2.xml><?xml version="1.0" encoding="utf-8"?>
+<p:tagLst xmlns:a="http://schemas.openxmlformats.org/drawingml/2006/main" xmlns:r="http://schemas.openxmlformats.org/officeDocument/2006/relationships" xmlns:p="http://schemas.openxmlformats.org/presentationml/2006/main">
+  <p:tag name="THINKCELLSHAPEDONOTDELETE" val="thinkcellActiveDocDoNotDelete"/>
+</p:tagLst>
+</file>
+
+<file path=ppt/tags/tag20.xml><?xml version="1.0" encoding="utf-8"?>
 <p:tagLst xmlns:a="http://schemas.openxmlformats.org/drawingml/2006/main" xmlns:r="http://schemas.openxmlformats.org/officeDocument/2006/relationships" xmlns:p="http://schemas.openxmlformats.org/presentationml/2006/main">
   <p:tag name="THINKCELLSHAPEDONOTDELETE" val="thinkcellActiveDocDoNotDelete"/>
 </p:tagLst>
